--- a/ppt/静态布局2016-11-28.pptx
+++ b/ppt/静态布局2016-11-28.pptx
@@ -211,7 +211,7 @@
           <a:p>
             <a:fld id="{20EA5F0D-C1DC-412F-A146-DDB3A74B588F}" type="datetimeFigureOut">
               <a:rPr lang="en-US" altLang="zh-CN"/>
-              <a:t>11/28/2016</a:t>
+              <a:t>11/29/2016</a:t>
             </a:fld>
             <a:endParaRPr lang="zh-CN"/>
           </a:p>
@@ -375,7 +375,7 @@
           </a:lstStyle>
           <a:p>
             <a:fld id="{A8CDE508-72C8-4AB5-AA9C-1584D31690E0}" type="datetimeFigureOut">
-              <a:t>2016/11/28</a:t>
+              <a:t>2016/11/29</a:t>
             </a:fld>
             <a:endParaRPr lang="zh-CN"/>
           </a:p>
@@ -990,7 +990,7 @@
           <a:lstStyle/>
           <a:p>
             <a:fld id="{9E583DDF-CA54-461A-A486-592D2374C532}" type="datetimeFigureOut">
-              <a:t>2016/11/28</a:t>
+              <a:t>2016/11/29</a:t>
             </a:fld>
             <a:endParaRPr lang="zh-CN"/>
           </a:p>
@@ -1180,7 +1180,7 @@
           <a:lstStyle/>
           <a:p>
             <a:fld id="{9E583DDF-CA54-461A-A486-592D2374C532}" type="datetimeFigureOut">
-              <a:t>2016/11/28</a:t>
+              <a:t>2016/11/29</a:t>
             </a:fld>
             <a:endParaRPr lang="zh-CN"/>
           </a:p>
@@ -1360,7 +1360,7 @@
           <a:lstStyle/>
           <a:p>
             <a:fld id="{9E583DDF-CA54-461A-A486-592D2374C532}" type="datetimeFigureOut">
-              <a:t>2016/11/28</a:t>
+              <a:t>2016/11/29</a:t>
             </a:fld>
             <a:endParaRPr lang="zh-CN"/>
           </a:p>
@@ -1671,7 +1671,7 @@
           <a:lstStyle/>
           <a:p>
             <a:fld id="{9E583DDF-CA54-461A-A486-592D2374C532}" type="datetimeFigureOut">
-              <a:t>2016/11/28</a:t>
+              <a:t>2016/11/29</a:t>
             </a:fld>
             <a:endParaRPr lang="zh-CN"/>
           </a:p>
@@ -1978,7 +1978,7 @@
           <a:lstStyle/>
           <a:p>
             <a:fld id="{0A879FD0-C37A-4F50-8F3B-5FA0D9D0B42F}" type="datetimeFigureOut">
-              <a:t>2016/11/28</a:t>
+              <a:t>2016/11/29</a:t>
             </a:fld>
             <a:endParaRPr lang="zh-CN"/>
           </a:p>
@@ -2432,7 +2432,7 @@
           <a:lstStyle/>
           <a:p>
             <a:fld id="{9E583DDF-CA54-461A-A486-592D2374C532}" type="datetimeFigureOut">
-              <a:t>2016/11/28</a:t>
+              <a:t>2016/11/29</a:t>
             </a:fld>
             <a:endParaRPr lang="zh-CN"/>
           </a:p>
@@ -2567,7 +2567,7 @@
           <a:lstStyle/>
           <a:p>
             <a:fld id="{9E583DDF-CA54-461A-A486-592D2374C532}" type="datetimeFigureOut">
-              <a:t>2016/11/28</a:t>
+              <a:t>2016/11/29</a:t>
             </a:fld>
             <a:endParaRPr lang="zh-CN"/>
           </a:p>
@@ -2717,7 +2717,7 @@
           <a:lstStyle/>
           <a:p>
             <a:fld id="{9E583DDF-CA54-461A-A486-592D2374C532}" type="datetimeFigureOut">
-              <a:t>2016/11/28</a:t>
+              <a:t>2016/11/29</a:t>
             </a:fld>
             <a:endParaRPr lang="zh-CN"/>
           </a:p>
@@ -3013,7 +3013,7 @@
           <a:lstStyle/>
           <a:p>
             <a:fld id="{9E583DDF-CA54-461A-A486-592D2374C532}" type="datetimeFigureOut">
-              <a:t>2016/11/28</a:t>
+              <a:t>2016/11/29</a:t>
             </a:fld>
             <a:endParaRPr lang="zh-CN"/>
           </a:p>
@@ -3297,7 +3297,7 @@
           <a:lstStyle/>
           <a:p>
             <a:fld id="{9E583DDF-CA54-461A-A486-592D2374C532}" type="datetimeFigureOut">
-              <a:t>2016/11/28</a:t>
+              <a:t>2016/11/29</a:t>
             </a:fld>
             <a:endParaRPr lang="zh-CN"/>
           </a:p>
@@ -3570,7 +3570,7 @@
             <a:fld id="{9E583DDF-CA54-461A-A486-592D2374C532}" type="datetimeFigureOut">
               <a:rPr lang="en-US" altLang="zh-CN" smtClean="0"/>
               <a:pPr/>
-              <a:t>11/28/2016</a:t>
+              <a:t>11/29/2016</a:t>
             </a:fld>
             <a:endParaRPr lang="zh-CN" altLang="en-US"/>
           </a:p>
@@ -4201,11 +4201,7 @@
             </a:r>
             <a:r>
               <a:rPr lang="zh-CN" altLang="en-US" dirty="0" smtClean="0"/>
-              <a:t>、伪</a:t>
-            </a:r>
-            <a:r>
-              <a:rPr lang="zh-CN" altLang="en-US" dirty="0" smtClean="0"/>
-              <a:t>元素</a:t>
+              <a:t>、伪元素</a:t>
             </a:r>
             <a:r>
               <a:rPr lang="en-US" altLang="zh-CN" dirty="0" smtClean="0"/>
@@ -4728,11 +4724,7 @@
           <a:p>
             <a:r>
               <a:rPr lang="zh-CN" altLang="en-US" dirty="0" smtClean="0"/>
-              <a:t>伪</a:t>
-            </a:r>
-            <a:r>
-              <a:rPr lang="zh-CN" altLang="en-US" dirty="0" smtClean="0"/>
-              <a:t>元素</a:t>
+              <a:t>伪元素</a:t>
             </a:r>
             <a:r>
               <a:rPr lang="en-US" altLang="zh-CN" dirty="0"/>
@@ -4742,7 +4734,6 @@
               <a:rPr lang="zh-CN" altLang="en-US" dirty="0"/>
               <a:t>伪类</a:t>
             </a:r>
-            <a:endParaRPr lang="zh-CN" altLang="en-US" dirty="0"/>
           </a:p>
         </p:txBody>
       </p:sp>
@@ -4911,6 +4902,13 @@
       </p:transition>
     </mc:Fallback>
   </mc:AlternateContent>
+  <p:timing>
+    <p:tnLst>
+      <p:par>
+        <p:cTn id="1" dur="indefinite" restart="never" nodeType="tmRoot"/>
+      </p:par>
+    </p:tnLst>
+  </p:timing>
 </p:sld>
 </file>
 
@@ -5115,6 +5113,13 @@
       </p:transition>
     </mc:Fallback>
   </mc:AlternateContent>
+  <p:timing>
+    <p:tnLst>
+      <p:par>
+        <p:cTn id="1" dur="indefinite" restart="never" nodeType="tmRoot"/>
+      </p:par>
+    </p:tnLst>
+  </p:timing>
 </p:sld>
 </file>
 
@@ -5333,6 +5338,13 @@
       </p:transition>
     </mc:Fallback>
   </mc:AlternateContent>
+  <p:timing>
+    <p:tnLst>
+      <p:par>
+        <p:cTn id="1" dur="indefinite" restart="never" nodeType="tmRoot"/>
+      </p:par>
+    </p:tnLst>
+  </p:timing>
 </p:sld>
 </file>
 
@@ -5382,11 +5394,7 @@
             </a:r>
             <a:r>
               <a:rPr lang="en-US" altLang="zh-CN" dirty="0" smtClean="0"/>
-              <a:t>:</a:t>
-            </a:r>
-            <a:r>
-              <a:rPr lang="en-US" altLang="zh-CN" dirty="0" smtClean="0"/>
-              <a:t>after </a:t>
+              <a:t>:after </a:t>
             </a:r>
             <a:r>
               <a:rPr lang="zh-CN" altLang="en-US" dirty="0" smtClean="0"/>
@@ -5418,7 +5426,7 @@
           <a:p>
             <a:r>
               <a:rPr lang="zh-CN" altLang="en-US" dirty="0" smtClean="0"/>
-              <a:t>插入内容呢</a:t>
+              <a:t>插入内容</a:t>
             </a:r>
             <a:endParaRPr lang="en-US" altLang="zh-CN" dirty="0" smtClean="0"/>
           </a:p>
@@ -5467,6 +5475,13 @@
       </p:transition>
     </mc:Fallback>
   </mc:AlternateContent>
+  <p:timing>
+    <p:tnLst>
+      <p:par>
+        <p:cTn id="1" dur="indefinite" restart="never" nodeType="tmRoot"/>
+      </p:par>
+    </p:tnLst>
+  </p:timing>
 </p:sld>
 </file>
 
@@ -5548,7 +5563,7 @@
             </a:r>
             <a:r>
               <a:rPr lang="zh-CN" altLang="en-US" dirty="0" smtClean="0"/>
-              <a:t>定位</a:t>
+              <a:t>定位元素</a:t>
             </a:r>
             <a:endParaRPr lang="en-US" altLang="zh-CN" dirty="0" smtClean="0"/>
           </a:p>
@@ -5594,6 +5609,13 @@
       </p:transition>
     </mc:Fallback>
   </mc:AlternateContent>
+  <p:timing>
+    <p:tnLst>
+      <p:par>
+        <p:cTn id="1" dur="indefinite" restart="never" nodeType="tmRoot"/>
+      </p:par>
+    </p:tnLst>
+  </p:timing>
 </p:sld>
 </file>
 
